--- a/14.pptx
+++ b/14.pptx
@@ -207,7 +207,7 @@
           <a:p>
             <a:fld id="{AA93C23F-80D8-41F7-A602-5BAA4D96D6F7}" type="datetimeFigureOut">
               <a:rPr lang="ko-KR" altLang="en-US" smtClean="0"/>
-              <a:t>2019-12-22</a:t>
+              <a:t>2025-03-15</a:t>
             </a:fld>
             <a:endParaRPr lang="ko-KR" altLang="en-US"/>
           </a:p>
@@ -997,7 +997,7 @@
           <a:p>
             <a:fld id="{AA93C23F-80D8-41F7-A602-5BAA4D96D6F7}" type="datetimeFigureOut">
               <a:rPr lang="ko-KR" altLang="en-US" smtClean="0"/>
-              <a:t>2019-12-22</a:t>
+              <a:t>2025-03-15</a:t>
             </a:fld>
             <a:endParaRPr lang="ko-KR" altLang="en-US"/>
           </a:p>
@@ -1165,7 +1165,7 @@
           <a:p>
             <a:fld id="{AA93C23F-80D8-41F7-A602-5BAA4D96D6F7}" type="datetimeFigureOut">
               <a:rPr lang="ko-KR" altLang="en-US" smtClean="0"/>
-              <a:t>2019-12-22</a:t>
+              <a:t>2025-03-15</a:t>
             </a:fld>
             <a:endParaRPr lang="ko-KR" altLang="en-US"/>
           </a:p>
@@ -1343,7 +1343,7 @@
           <a:p>
             <a:fld id="{AA93C23F-80D8-41F7-A602-5BAA4D96D6F7}" type="datetimeFigureOut">
               <a:rPr lang="ko-KR" altLang="en-US" smtClean="0"/>
-              <a:t>2019-12-22</a:t>
+              <a:t>2025-03-15</a:t>
             </a:fld>
             <a:endParaRPr lang="ko-KR" altLang="en-US"/>
           </a:p>
@@ -1527,7 +1527,7 @@
           <a:p>
             <a:fld id="{AA93C23F-80D8-41F7-A602-5BAA4D96D6F7}" type="datetimeFigureOut">
               <a:rPr lang="ko-KR" altLang="en-US" smtClean="0"/>
-              <a:t>2019-12-22</a:t>
+              <a:t>2025-03-15</a:t>
             </a:fld>
             <a:endParaRPr lang="ko-KR" altLang="en-US"/>
           </a:p>
@@ -1772,7 +1772,7 @@
           <a:p>
             <a:fld id="{AA93C23F-80D8-41F7-A602-5BAA4D96D6F7}" type="datetimeFigureOut">
               <a:rPr lang="ko-KR" altLang="en-US" smtClean="0"/>
-              <a:t>2019-12-22</a:t>
+              <a:t>2025-03-15</a:t>
             </a:fld>
             <a:endParaRPr lang="ko-KR" altLang="en-US"/>
           </a:p>
@@ -2001,7 +2001,7 @@
           <a:p>
             <a:fld id="{AA93C23F-80D8-41F7-A602-5BAA4D96D6F7}" type="datetimeFigureOut">
               <a:rPr lang="ko-KR" altLang="en-US" smtClean="0"/>
-              <a:t>2019-12-22</a:t>
+              <a:t>2025-03-15</a:t>
             </a:fld>
             <a:endParaRPr lang="ko-KR" altLang="en-US"/>
           </a:p>
@@ -2365,7 +2365,7 @@
           <a:p>
             <a:fld id="{AA93C23F-80D8-41F7-A602-5BAA4D96D6F7}" type="datetimeFigureOut">
               <a:rPr lang="ko-KR" altLang="en-US" smtClean="0"/>
-              <a:t>2019-12-22</a:t>
+              <a:t>2025-03-15</a:t>
             </a:fld>
             <a:endParaRPr lang="ko-KR" altLang="en-US"/>
           </a:p>
@@ -2482,7 +2482,7 @@
           <a:p>
             <a:fld id="{AA93C23F-80D8-41F7-A602-5BAA4D96D6F7}" type="datetimeFigureOut">
               <a:rPr lang="ko-KR" altLang="en-US" smtClean="0"/>
-              <a:t>2019-12-22</a:t>
+              <a:t>2025-03-15</a:t>
             </a:fld>
             <a:endParaRPr lang="ko-KR" altLang="en-US"/>
           </a:p>
@@ -2756,7 +2756,7 @@
                 <a:tabLst/>
                 <a:defRPr/>
               </a:pPr>
-              <a:t>2019-12-22</a:t>
+              <a:t>2025-03-15</a:t>
             </a:fld>
             <a:endParaRPr kumimoji="0" lang="ko-KR" altLang="en-US" sz="1200" b="0" i="0" u="none" strike="noStrike" kern="1200" cap="none" spc="0" normalizeH="0" baseline="0" noProof="0">
               <a:ln>
@@ -2974,7 +2974,7 @@
           <a:p>
             <a:fld id="{AA93C23F-80D8-41F7-A602-5BAA4D96D6F7}" type="datetimeFigureOut">
               <a:rPr lang="ko-KR" altLang="en-US" smtClean="0"/>
-              <a:t>2019-12-22</a:t>
+              <a:t>2025-03-15</a:t>
             </a:fld>
             <a:endParaRPr lang="ko-KR" altLang="en-US"/>
           </a:p>
@@ -3249,7 +3249,7 @@
           <a:p>
             <a:fld id="{AA93C23F-80D8-41F7-A602-5BAA4D96D6F7}" type="datetimeFigureOut">
               <a:rPr lang="ko-KR" altLang="en-US" smtClean="0"/>
-              <a:t>2019-12-22</a:t>
+              <a:t>2025-03-15</a:t>
             </a:fld>
             <a:endParaRPr lang="ko-KR" altLang="en-US"/>
           </a:p>
@@ -3460,7 +3460,7 @@
           <a:p>
             <a:fld id="{AA93C23F-80D8-41F7-A602-5BAA4D96D6F7}" type="datetimeFigureOut">
               <a:rPr lang="ko-KR" altLang="en-US" smtClean="0"/>
-              <a:t>2019-12-22</a:t>
+              <a:t>2025-03-15</a:t>
             </a:fld>
             <a:endParaRPr lang="ko-KR" altLang="en-US"/>
           </a:p>
@@ -5266,6 +5266,139 @@
           </p:style>
         </p:cxnSp>
       </p:grpSp>
+      <p:sp>
+        <p:nvSpPr>
+          <p:cNvPr id="18" name="TextBox 12">
+            <a:extLst>
+              <a:ext uri="{FF2B5EF4-FFF2-40B4-BE49-F238E27FC236}">
+                <a16:creationId xmlns:a16="http://schemas.microsoft.com/office/drawing/2014/main" id="{C795FF07-9B76-4D17-A34E-535C911ED599}"/>
+              </a:ext>
+            </a:extLst>
+          </p:cNvPr>
+          <p:cNvSpPr txBox="1"/>
+          <p:nvPr/>
+        </p:nvSpPr>
+        <p:spPr>
+          <a:xfrm>
+            <a:off x="10758354" y="410360"/>
+            <a:ext cx="607859" cy="307777"/>
+          </a:xfrm>
+          <a:prstGeom prst="rect">
+            <a:avLst/>
+          </a:prstGeom>
+          <a:noFill/>
+        </p:spPr>
+        <p:txBody>
+          <a:bodyPr wrap="none" rtlCol="0">
+            <a:spAutoFit/>
+          </a:bodyPr>
+          <a:lstStyle>
+            <a:defPPr>
+              <a:defRPr lang="ko-KR"/>
+            </a:defPPr>
+            <a:lvl1pPr marL="0" algn="l" defTabSz="914400" rtl="0" eaLnBrk="1" latinLnBrk="1" hangingPunct="1">
+              <a:defRPr sz="1800" kern="1200">
+                <a:solidFill>
+                  <a:schemeClr val="tx1"/>
+                </a:solidFill>
+                <a:latin typeface="+mn-lt"/>
+                <a:ea typeface="+mn-ea"/>
+                <a:cs typeface="+mn-cs"/>
+              </a:defRPr>
+            </a:lvl1pPr>
+            <a:lvl2pPr marL="457200" algn="l" defTabSz="914400" rtl="0" eaLnBrk="1" latinLnBrk="1" hangingPunct="1">
+              <a:defRPr sz="1800" kern="1200">
+                <a:solidFill>
+                  <a:schemeClr val="tx1"/>
+                </a:solidFill>
+                <a:latin typeface="+mn-lt"/>
+                <a:ea typeface="+mn-ea"/>
+                <a:cs typeface="+mn-cs"/>
+              </a:defRPr>
+            </a:lvl2pPr>
+            <a:lvl3pPr marL="914400" algn="l" defTabSz="914400" rtl="0" eaLnBrk="1" latinLnBrk="1" hangingPunct="1">
+              <a:defRPr sz="1800" kern="1200">
+                <a:solidFill>
+                  <a:schemeClr val="tx1"/>
+                </a:solidFill>
+                <a:latin typeface="+mn-lt"/>
+                <a:ea typeface="+mn-ea"/>
+                <a:cs typeface="+mn-cs"/>
+              </a:defRPr>
+            </a:lvl3pPr>
+            <a:lvl4pPr marL="1371600" algn="l" defTabSz="914400" rtl="0" eaLnBrk="1" latinLnBrk="1" hangingPunct="1">
+              <a:defRPr sz="1800" kern="1200">
+                <a:solidFill>
+                  <a:schemeClr val="tx1"/>
+                </a:solidFill>
+                <a:latin typeface="+mn-lt"/>
+                <a:ea typeface="+mn-ea"/>
+                <a:cs typeface="+mn-cs"/>
+              </a:defRPr>
+            </a:lvl4pPr>
+            <a:lvl5pPr marL="1828800" algn="l" defTabSz="914400" rtl="0" eaLnBrk="1" latinLnBrk="1" hangingPunct="1">
+              <a:defRPr sz="1800" kern="1200">
+                <a:solidFill>
+                  <a:schemeClr val="tx1"/>
+                </a:solidFill>
+                <a:latin typeface="+mn-lt"/>
+                <a:ea typeface="+mn-ea"/>
+                <a:cs typeface="+mn-cs"/>
+              </a:defRPr>
+            </a:lvl5pPr>
+            <a:lvl6pPr marL="2286000" algn="l" defTabSz="914400" rtl="0" eaLnBrk="1" latinLnBrk="1" hangingPunct="1">
+              <a:defRPr sz="1800" kern="1200">
+                <a:solidFill>
+                  <a:schemeClr val="tx1"/>
+                </a:solidFill>
+                <a:latin typeface="+mn-lt"/>
+                <a:ea typeface="+mn-ea"/>
+                <a:cs typeface="+mn-cs"/>
+              </a:defRPr>
+            </a:lvl6pPr>
+            <a:lvl7pPr marL="2743200" algn="l" defTabSz="914400" rtl="0" eaLnBrk="1" latinLnBrk="1" hangingPunct="1">
+              <a:defRPr sz="1800" kern="1200">
+                <a:solidFill>
+                  <a:schemeClr val="tx1"/>
+                </a:solidFill>
+                <a:latin typeface="+mn-lt"/>
+                <a:ea typeface="+mn-ea"/>
+                <a:cs typeface="+mn-cs"/>
+              </a:defRPr>
+            </a:lvl7pPr>
+            <a:lvl8pPr marL="3200400" algn="l" defTabSz="914400" rtl="0" eaLnBrk="1" latinLnBrk="1" hangingPunct="1">
+              <a:defRPr sz="1800" kern="1200">
+                <a:solidFill>
+                  <a:schemeClr val="tx1"/>
+                </a:solidFill>
+                <a:latin typeface="+mn-lt"/>
+                <a:ea typeface="+mn-ea"/>
+                <a:cs typeface="+mn-cs"/>
+              </a:defRPr>
+            </a:lvl8pPr>
+            <a:lvl9pPr marL="3657600" algn="l" defTabSz="914400" rtl="0" eaLnBrk="1" latinLnBrk="1" hangingPunct="1">
+              <a:defRPr sz="1800" kern="1200">
+                <a:solidFill>
+                  <a:schemeClr val="tx1"/>
+                </a:solidFill>
+                <a:latin typeface="+mn-lt"/>
+                <a:ea typeface="+mn-ea"/>
+                <a:cs typeface="+mn-cs"/>
+              </a:defRPr>
+            </a:lvl9pPr>
+          </a:lstStyle>
+          <a:p>
+            <a:r>
+              <a:rPr lang="en-US" altLang="ko-KR" sz="1400" b="1" dirty="0">
+                <a:solidFill>
+                  <a:schemeClr val="bg1"/>
+                </a:solidFill>
+              </a:rPr>
+              <a:t>P509</a:t>
+            </a:r>
+          </a:p>
+        </p:txBody>
+      </p:sp>
     </p:spTree>
     <p:extLst>
       <p:ext uri="{BB962C8B-B14F-4D97-AF65-F5344CB8AC3E}">
@@ -5699,6 +5832,139 @@
           </p:spPr>
         </p:pic>
       </p:grpSp>
+      <p:sp>
+        <p:nvSpPr>
+          <p:cNvPr id="9" name="TextBox 12">
+            <a:extLst>
+              <a:ext uri="{FF2B5EF4-FFF2-40B4-BE49-F238E27FC236}">
+                <a16:creationId xmlns:a16="http://schemas.microsoft.com/office/drawing/2014/main" id="{7F660750-33A2-4AA2-8264-8ACAC3201E7D}"/>
+              </a:ext>
+            </a:extLst>
+          </p:cNvPr>
+          <p:cNvSpPr txBox="1"/>
+          <p:nvPr/>
+        </p:nvSpPr>
+        <p:spPr>
+          <a:xfrm>
+            <a:off x="10758354" y="410360"/>
+            <a:ext cx="607859" cy="307777"/>
+          </a:xfrm>
+          <a:prstGeom prst="rect">
+            <a:avLst/>
+          </a:prstGeom>
+          <a:noFill/>
+        </p:spPr>
+        <p:txBody>
+          <a:bodyPr wrap="none" rtlCol="0">
+            <a:spAutoFit/>
+          </a:bodyPr>
+          <a:lstStyle>
+            <a:defPPr>
+              <a:defRPr lang="ko-KR"/>
+            </a:defPPr>
+            <a:lvl1pPr marL="0" algn="l" defTabSz="914400" rtl="0" eaLnBrk="1" latinLnBrk="1" hangingPunct="1">
+              <a:defRPr sz="1800" kern="1200">
+                <a:solidFill>
+                  <a:schemeClr val="tx1"/>
+                </a:solidFill>
+                <a:latin typeface="+mn-lt"/>
+                <a:ea typeface="+mn-ea"/>
+                <a:cs typeface="+mn-cs"/>
+              </a:defRPr>
+            </a:lvl1pPr>
+            <a:lvl2pPr marL="457200" algn="l" defTabSz="914400" rtl="0" eaLnBrk="1" latinLnBrk="1" hangingPunct="1">
+              <a:defRPr sz="1800" kern="1200">
+                <a:solidFill>
+                  <a:schemeClr val="tx1"/>
+                </a:solidFill>
+                <a:latin typeface="+mn-lt"/>
+                <a:ea typeface="+mn-ea"/>
+                <a:cs typeface="+mn-cs"/>
+              </a:defRPr>
+            </a:lvl2pPr>
+            <a:lvl3pPr marL="914400" algn="l" defTabSz="914400" rtl="0" eaLnBrk="1" latinLnBrk="1" hangingPunct="1">
+              <a:defRPr sz="1800" kern="1200">
+                <a:solidFill>
+                  <a:schemeClr val="tx1"/>
+                </a:solidFill>
+                <a:latin typeface="+mn-lt"/>
+                <a:ea typeface="+mn-ea"/>
+                <a:cs typeface="+mn-cs"/>
+              </a:defRPr>
+            </a:lvl3pPr>
+            <a:lvl4pPr marL="1371600" algn="l" defTabSz="914400" rtl="0" eaLnBrk="1" latinLnBrk="1" hangingPunct="1">
+              <a:defRPr sz="1800" kern="1200">
+                <a:solidFill>
+                  <a:schemeClr val="tx1"/>
+                </a:solidFill>
+                <a:latin typeface="+mn-lt"/>
+                <a:ea typeface="+mn-ea"/>
+                <a:cs typeface="+mn-cs"/>
+              </a:defRPr>
+            </a:lvl4pPr>
+            <a:lvl5pPr marL="1828800" algn="l" defTabSz="914400" rtl="0" eaLnBrk="1" latinLnBrk="1" hangingPunct="1">
+              <a:defRPr sz="1800" kern="1200">
+                <a:solidFill>
+                  <a:schemeClr val="tx1"/>
+                </a:solidFill>
+                <a:latin typeface="+mn-lt"/>
+                <a:ea typeface="+mn-ea"/>
+                <a:cs typeface="+mn-cs"/>
+              </a:defRPr>
+            </a:lvl5pPr>
+            <a:lvl6pPr marL="2286000" algn="l" defTabSz="914400" rtl="0" eaLnBrk="1" latinLnBrk="1" hangingPunct="1">
+              <a:defRPr sz="1800" kern="1200">
+                <a:solidFill>
+                  <a:schemeClr val="tx1"/>
+                </a:solidFill>
+                <a:latin typeface="+mn-lt"/>
+                <a:ea typeface="+mn-ea"/>
+                <a:cs typeface="+mn-cs"/>
+              </a:defRPr>
+            </a:lvl6pPr>
+            <a:lvl7pPr marL="2743200" algn="l" defTabSz="914400" rtl="0" eaLnBrk="1" latinLnBrk="1" hangingPunct="1">
+              <a:defRPr sz="1800" kern="1200">
+                <a:solidFill>
+                  <a:schemeClr val="tx1"/>
+                </a:solidFill>
+                <a:latin typeface="+mn-lt"/>
+                <a:ea typeface="+mn-ea"/>
+                <a:cs typeface="+mn-cs"/>
+              </a:defRPr>
+            </a:lvl7pPr>
+            <a:lvl8pPr marL="3200400" algn="l" defTabSz="914400" rtl="0" eaLnBrk="1" latinLnBrk="1" hangingPunct="1">
+              <a:defRPr sz="1800" kern="1200">
+                <a:solidFill>
+                  <a:schemeClr val="tx1"/>
+                </a:solidFill>
+                <a:latin typeface="+mn-lt"/>
+                <a:ea typeface="+mn-ea"/>
+                <a:cs typeface="+mn-cs"/>
+              </a:defRPr>
+            </a:lvl8pPr>
+            <a:lvl9pPr marL="3657600" algn="l" defTabSz="914400" rtl="0" eaLnBrk="1" latinLnBrk="1" hangingPunct="1">
+              <a:defRPr sz="1800" kern="1200">
+                <a:solidFill>
+                  <a:schemeClr val="tx1"/>
+                </a:solidFill>
+                <a:latin typeface="+mn-lt"/>
+                <a:ea typeface="+mn-ea"/>
+                <a:cs typeface="+mn-cs"/>
+              </a:defRPr>
+            </a:lvl9pPr>
+          </a:lstStyle>
+          <a:p>
+            <a:r>
+              <a:rPr lang="en-US" altLang="ko-KR" sz="1400" b="1" dirty="0">
+                <a:solidFill>
+                  <a:schemeClr val="bg1"/>
+                </a:solidFill>
+              </a:rPr>
+              <a:t>P510</a:t>
+            </a:r>
+          </a:p>
+        </p:txBody>
+      </p:sp>
     </p:spTree>
     <p:extLst>
       <p:ext uri="{BB962C8B-B14F-4D97-AF65-F5344CB8AC3E}">
@@ -6205,6 +6471,139 @@
           </a:fontRef>
         </p:style>
       </p:cxnSp>
+      <p:sp>
+        <p:nvSpPr>
+          <p:cNvPr id="12" name="TextBox 12">
+            <a:extLst>
+              <a:ext uri="{FF2B5EF4-FFF2-40B4-BE49-F238E27FC236}">
+                <a16:creationId xmlns:a16="http://schemas.microsoft.com/office/drawing/2014/main" id="{136A45EB-DC4D-4F19-8D6C-854256C408E8}"/>
+              </a:ext>
+            </a:extLst>
+          </p:cNvPr>
+          <p:cNvSpPr txBox="1"/>
+          <p:nvPr/>
+        </p:nvSpPr>
+        <p:spPr>
+          <a:xfrm>
+            <a:off x="10758354" y="410360"/>
+            <a:ext cx="607859" cy="307777"/>
+          </a:xfrm>
+          <a:prstGeom prst="rect">
+            <a:avLst/>
+          </a:prstGeom>
+          <a:noFill/>
+        </p:spPr>
+        <p:txBody>
+          <a:bodyPr wrap="none" rtlCol="0">
+            <a:spAutoFit/>
+          </a:bodyPr>
+          <a:lstStyle>
+            <a:defPPr>
+              <a:defRPr lang="ko-KR"/>
+            </a:defPPr>
+            <a:lvl1pPr marL="0" algn="l" defTabSz="914400" rtl="0" eaLnBrk="1" latinLnBrk="1" hangingPunct="1">
+              <a:defRPr sz="1800" kern="1200">
+                <a:solidFill>
+                  <a:schemeClr val="tx1"/>
+                </a:solidFill>
+                <a:latin typeface="+mn-lt"/>
+                <a:ea typeface="+mn-ea"/>
+                <a:cs typeface="+mn-cs"/>
+              </a:defRPr>
+            </a:lvl1pPr>
+            <a:lvl2pPr marL="457200" algn="l" defTabSz="914400" rtl="0" eaLnBrk="1" latinLnBrk="1" hangingPunct="1">
+              <a:defRPr sz="1800" kern="1200">
+                <a:solidFill>
+                  <a:schemeClr val="tx1"/>
+                </a:solidFill>
+                <a:latin typeface="+mn-lt"/>
+                <a:ea typeface="+mn-ea"/>
+                <a:cs typeface="+mn-cs"/>
+              </a:defRPr>
+            </a:lvl2pPr>
+            <a:lvl3pPr marL="914400" algn="l" defTabSz="914400" rtl="0" eaLnBrk="1" latinLnBrk="1" hangingPunct="1">
+              <a:defRPr sz="1800" kern="1200">
+                <a:solidFill>
+                  <a:schemeClr val="tx1"/>
+                </a:solidFill>
+                <a:latin typeface="+mn-lt"/>
+                <a:ea typeface="+mn-ea"/>
+                <a:cs typeface="+mn-cs"/>
+              </a:defRPr>
+            </a:lvl3pPr>
+            <a:lvl4pPr marL="1371600" algn="l" defTabSz="914400" rtl="0" eaLnBrk="1" latinLnBrk="1" hangingPunct="1">
+              <a:defRPr sz="1800" kern="1200">
+                <a:solidFill>
+                  <a:schemeClr val="tx1"/>
+                </a:solidFill>
+                <a:latin typeface="+mn-lt"/>
+                <a:ea typeface="+mn-ea"/>
+                <a:cs typeface="+mn-cs"/>
+              </a:defRPr>
+            </a:lvl4pPr>
+            <a:lvl5pPr marL="1828800" algn="l" defTabSz="914400" rtl="0" eaLnBrk="1" latinLnBrk="1" hangingPunct="1">
+              <a:defRPr sz="1800" kern="1200">
+                <a:solidFill>
+                  <a:schemeClr val="tx1"/>
+                </a:solidFill>
+                <a:latin typeface="+mn-lt"/>
+                <a:ea typeface="+mn-ea"/>
+                <a:cs typeface="+mn-cs"/>
+              </a:defRPr>
+            </a:lvl5pPr>
+            <a:lvl6pPr marL="2286000" algn="l" defTabSz="914400" rtl="0" eaLnBrk="1" latinLnBrk="1" hangingPunct="1">
+              <a:defRPr sz="1800" kern="1200">
+                <a:solidFill>
+                  <a:schemeClr val="tx1"/>
+                </a:solidFill>
+                <a:latin typeface="+mn-lt"/>
+                <a:ea typeface="+mn-ea"/>
+                <a:cs typeface="+mn-cs"/>
+              </a:defRPr>
+            </a:lvl6pPr>
+            <a:lvl7pPr marL="2743200" algn="l" defTabSz="914400" rtl="0" eaLnBrk="1" latinLnBrk="1" hangingPunct="1">
+              <a:defRPr sz="1800" kern="1200">
+                <a:solidFill>
+                  <a:schemeClr val="tx1"/>
+                </a:solidFill>
+                <a:latin typeface="+mn-lt"/>
+                <a:ea typeface="+mn-ea"/>
+                <a:cs typeface="+mn-cs"/>
+              </a:defRPr>
+            </a:lvl7pPr>
+            <a:lvl8pPr marL="3200400" algn="l" defTabSz="914400" rtl="0" eaLnBrk="1" latinLnBrk="1" hangingPunct="1">
+              <a:defRPr sz="1800" kern="1200">
+                <a:solidFill>
+                  <a:schemeClr val="tx1"/>
+                </a:solidFill>
+                <a:latin typeface="+mn-lt"/>
+                <a:ea typeface="+mn-ea"/>
+                <a:cs typeface="+mn-cs"/>
+              </a:defRPr>
+            </a:lvl8pPr>
+            <a:lvl9pPr marL="3657600" algn="l" defTabSz="914400" rtl="0" eaLnBrk="1" latinLnBrk="1" hangingPunct="1">
+              <a:defRPr sz="1800" kern="1200">
+                <a:solidFill>
+                  <a:schemeClr val="tx1"/>
+                </a:solidFill>
+                <a:latin typeface="+mn-lt"/>
+                <a:ea typeface="+mn-ea"/>
+                <a:cs typeface="+mn-cs"/>
+              </a:defRPr>
+            </a:lvl9pPr>
+          </a:lstStyle>
+          <a:p>
+            <a:r>
+              <a:rPr lang="en-US" altLang="ko-KR" sz="1400" b="1" dirty="0">
+                <a:solidFill>
+                  <a:schemeClr val="bg1"/>
+                </a:solidFill>
+              </a:rPr>
+              <a:t>P490</a:t>
+            </a:r>
+          </a:p>
+        </p:txBody>
+      </p:sp>
     </p:spTree>
     <p:extLst>
       <p:ext uri="{BB962C8B-B14F-4D97-AF65-F5344CB8AC3E}">
@@ -6752,6 +7151,139 @@
           </a:fontRef>
         </p:style>
       </p:cxnSp>
+      <p:sp>
+        <p:nvSpPr>
+          <p:cNvPr id="11" name="TextBox 12">
+            <a:extLst>
+              <a:ext uri="{FF2B5EF4-FFF2-40B4-BE49-F238E27FC236}">
+                <a16:creationId xmlns:a16="http://schemas.microsoft.com/office/drawing/2014/main" id="{47FEFB53-2282-4C7E-8410-4487302996E8}"/>
+              </a:ext>
+            </a:extLst>
+          </p:cNvPr>
+          <p:cNvSpPr txBox="1"/>
+          <p:nvPr/>
+        </p:nvSpPr>
+        <p:spPr>
+          <a:xfrm>
+            <a:off x="10758354" y="410360"/>
+            <a:ext cx="607859" cy="307777"/>
+          </a:xfrm>
+          <a:prstGeom prst="rect">
+            <a:avLst/>
+          </a:prstGeom>
+          <a:noFill/>
+        </p:spPr>
+        <p:txBody>
+          <a:bodyPr wrap="none" rtlCol="0">
+            <a:spAutoFit/>
+          </a:bodyPr>
+          <a:lstStyle>
+            <a:defPPr>
+              <a:defRPr lang="ko-KR"/>
+            </a:defPPr>
+            <a:lvl1pPr marL="0" algn="l" defTabSz="914400" rtl="0" eaLnBrk="1" latinLnBrk="1" hangingPunct="1">
+              <a:defRPr sz="1800" kern="1200">
+                <a:solidFill>
+                  <a:schemeClr val="tx1"/>
+                </a:solidFill>
+                <a:latin typeface="+mn-lt"/>
+                <a:ea typeface="+mn-ea"/>
+                <a:cs typeface="+mn-cs"/>
+              </a:defRPr>
+            </a:lvl1pPr>
+            <a:lvl2pPr marL="457200" algn="l" defTabSz="914400" rtl="0" eaLnBrk="1" latinLnBrk="1" hangingPunct="1">
+              <a:defRPr sz="1800" kern="1200">
+                <a:solidFill>
+                  <a:schemeClr val="tx1"/>
+                </a:solidFill>
+                <a:latin typeface="+mn-lt"/>
+                <a:ea typeface="+mn-ea"/>
+                <a:cs typeface="+mn-cs"/>
+              </a:defRPr>
+            </a:lvl2pPr>
+            <a:lvl3pPr marL="914400" algn="l" defTabSz="914400" rtl="0" eaLnBrk="1" latinLnBrk="1" hangingPunct="1">
+              <a:defRPr sz="1800" kern="1200">
+                <a:solidFill>
+                  <a:schemeClr val="tx1"/>
+                </a:solidFill>
+                <a:latin typeface="+mn-lt"/>
+                <a:ea typeface="+mn-ea"/>
+                <a:cs typeface="+mn-cs"/>
+              </a:defRPr>
+            </a:lvl3pPr>
+            <a:lvl4pPr marL="1371600" algn="l" defTabSz="914400" rtl="0" eaLnBrk="1" latinLnBrk="1" hangingPunct="1">
+              <a:defRPr sz="1800" kern="1200">
+                <a:solidFill>
+                  <a:schemeClr val="tx1"/>
+                </a:solidFill>
+                <a:latin typeface="+mn-lt"/>
+                <a:ea typeface="+mn-ea"/>
+                <a:cs typeface="+mn-cs"/>
+              </a:defRPr>
+            </a:lvl4pPr>
+            <a:lvl5pPr marL="1828800" algn="l" defTabSz="914400" rtl="0" eaLnBrk="1" latinLnBrk="1" hangingPunct="1">
+              <a:defRPr sz="1800" kern="1200">
+                <a:solidFill>
+                  <a:schemeClr val="tx1"/>
+                </a:solidFill>
+                <a:latin typeface="+mn-lt"/>
+                <a:ea typeface="+mn-ea"/>
+                <a:cs typeface="+mn-cs"/>
+              </a:defRPr>
+            </a:lvl5pPr>
+            <a:lvl6pPr marL="2286000" algn="l" defTabSz="914400" rtl="0" eaLnBrk="1" latinLnBrk="1" hangingPunct="1">
+              <a:defRPr sz="1800" kern="1200">
+                <a:solidFill>
+                  <a:schemeClr val="tx1"/>
+                </a:solidFill>
+                <a:latin typeface="+mn-lt"/>
+                <a:ea typeface="+mn-ea"/>
+                <a:cs typeface="+mn-cs"/>
+              </a:defRPr>
+            </a:lvl6pPr>
+            <a:lvl7pPr marL="2743200" algn="l" defTabSz="914400" rtl="0" eaLnBrk="1" latinLnBrk="1" hangingPunct="1">
+              <a:defRPr sz="1800" kern="1200">
+                <a:solidFill>
+                  <a:schemeClr val="tx1"/>
+                </a:solidFill>
+                <a:latin typeface="+mn-lt"/>
+                <a:ea typeface="+mn-ea"/>
+                <a:cs typeface="+mn-cs"/>
+              </a:defRPr>
+            </a:lvl7pPr>
+            <a:lvl8pPr marL="3200400" algn="l" defTabSz="914400" rtl="0" eaLnBrk="1" latinLnBrk="1" hangingPunct="1">
+              <a:defRPr sz="1800" kern="1200">
+                <a:solidFill>
+                  <a:schemeClr val="tx1"/>
+                </a:solidFill>
+                <a:latin typeface="+mn-lt"/>
+                <a:ea typeface="+mn-ea"/>
+                <a:cs typeface="+mn-cs"/>
+              </a:defRPr>
+            </a:lvl8pPr>
+            <a:lvl9pPr marL="3657600" algn="l" defTabSz="914400" rtl="0" eaLnBrk="1" latinLnBrk="1" hangingPunct="1">
+              <a:defRPr sz="1800" kern="1200">
+                <a:solidFill>
+                  <a:schemeClr val="tx1"/>
+                </a:solidFill>
+                <a:latin typeface="+mn-lt"/>
+                <a:ea typeface="+mn-ea"/>
+                <a:cs typeface="+mn-cs"/>
+              </a:defRPr>
+            </a:lvl9pPr>
+          </a:lstStyle>
+          <a:p>
+            <a:r>
+              <a:rPr lang="en-US" altLang="ko-KR" sz="1400" b="1" dirty="0">
+                <a:solidFill>
+                  <a:schemeClr val="bg1"/>
+                </a:solidFill>
+              </a:rPr>
+              <a:t>P492</a:t>
+            </a:r>
+          </a:p>
+        </p:txBody>
+      </p:sp>
     </p:spTree>
     <p:extLst>
       <p:ext uri="{BB962C8B-B14F-4D97-AF65-F5344CB8AC3E}">
@@ -6966,6 +7498,139 @@
           </a:prstGeom>
         </p:spPr>
       </p:pic>
+      <p:sp>
+        <p:nvSpPr>
+          <p:cNvPr id="7" name="TextBox 12">
+            <a:extLst>
+              <a:ext uri="{FF2B5EF4-FFF2-40B4-BE49-F238E27FC236}">
+                <a16:creationId xmlns:a16="http://schemas.microsoft.com/office/drawing/2014/main" id="{D949A543-FE75-42A7-AD84-57CA2E6D38AF}"/>
+              </a:ext>
+            </a:extLst>
+          </p:cNvPr>
+          <p:cNvSpPr txBox="1"/>
+          <p:nvPr/>
+        </p:nvSpPr>
+        <p:spPr>
+          <a:xfrm>
+            <a:off x="10758354" y="410360"/>
+            <a:ext cx="607859" cy="307777"/>
+          </a:xfrm>
+          <a:prstGeom prst="rect">
+            <a:avLst/>
+          </a:prstGeom>
+          <a:noFill/>
+        </p:spPr>
+        <p:txBody>
+          <a:bodyPr wrap="none" rtlCol="0">
+            <a:spAutoFit/>
+          </a:bodyPr>
+          <a:lstStyle>
+            <a:defPPr>
+              <a:defRPr lang="ko-KR"/>
+            </a:defPPr>
+            <a:lvl1pPr marL="0" algn="l" defTabSz="914400" rtl="0" eaLnBrk="1" latinLnBrk="1" hangingPunct="1">
+              <a:defRPr sz="1800" kern="1200">
+                <a:solidFill>
+                  <a:schemeClr val="tx1"/>
+                </a:solidFill>
+                <a:latin typeface="+mn-lt"/>
+                <a:ea typeface="+mn-ea"/>
+                <a:cs typeface="+mn-cs"/>
+              </a:defRPr>
+            </a:lvl1pPr>
+            <a:lvl2pPr marL="457200" algn="l" defTabSz="914400" rtl="0" eaLnBrk="1" latinLnBrk="1" hangingPunct="1">
+              <a:defRPr sz="1800" kern="1200">
+                <a:solidFill>
+                  <a:schemeClr val="tx1"/>
+                </a:solidFill>
+                <a:latin typeface="+mn-lt"/>
+                <a:ea typeface="+mn-ea"/>
+                <a:cs typeface="+mn-cs"/>
+              </a:defRPr>
+            </a:lvl2pPr>
+            <a:lvl3pPr marL="914400" algn="l" defTabSz="914400" rtl="0" eaLnBrk="1" latinLnBrk="1" hangingPunct="1">
+              <a:defRPr sz="1800" kern="1200">
+                <a:solidFill>
+                  <a:schemeClr val="tx1"/>
+                </a:solidFill>
+                <a:latin typeface="+mn-lt"/>
+                <a:ea typeface="+mn-ea"/>
+                <a:cs typeface="+mn-cs"/>
+              </a:defRPr>
+            </a:lvl3pPr>
+            <a:lvl4pPr marL="1371600" algn="l" defTabSz="914400" rtl="0" eaLnBrk="1" latinLnBrk="1" hangingPunct="1">
+              <a:defRPr sz="1800" kern="1200">
+                <a:solidFill>
+                  <a:schemeClr val="tx1"/>
+                </a:solidFill>
+                <a:latin typeface="+mn-lt"/>
+                <a:ea typeface="+mn-ea"/>
+                <a:cs typeface="+mn-cs"/>
+              </a:defRPr>
+            </a:lvl4pPr>
+            <a:lvl5pPr marL="1828800" algn="l" defTabSz="914400" rtl="0" eaLnBrk="1" latinLnBrk="1" hangingPunct="1">
+              <a:defRPr sz="1800" kern="1200">
+                <a:solidFill>
+                  <a:schemeClr val="tx1"/>
+                </a:solidFill>
+                <a:latin typeface="+mn-lt"/>
+                <a:ea typeface="+mn-ea"/>
+                <a:cs typeface="+mn-cs"/>
+              </a:defRPr>
+            </a:lvl5pPr>
+            <a:lvl6pPr marL="2286000" algn="l" defTabSz="914400" rtl="0" eaLnBrk="1" latinLnBrk="1" hangingPunct="1">
+              <a:defRPr sz="1800" kern="1200">
+                <a:solidFill>
+                  <a:schemeClr val="tx1"/>
+                </a:solidFill>
+                <a:latin typeface="+mn-lt"/>
+                <a:ea typeface="+mn-ea"/>
+                <a:cs typeface="+mn-cs"/>
+              </a:defRPr>
+            </a:lvl6pPr>
+            <a:lvl7pPr marL="2743200" algn="l" defTabSz="914400" rtl="0" eaLnBrk="1" latinLnBrk="1" hangingPunct="1">
+              <a:defRPr sz="1800" kern="1200">
+                <a:solidFill>
+                  <a:schemeClr val="tx1"/>
+                </a:solidFill>
+                <a:latin typeface="+mn-lt"/>
+                <a:ea typeface="+mn-ea"/>
+                <a:cs typeface="+mn-cs"/>
+              </a:defRPr>
+            </a:lvl7pPr>
+            <a:lvl8pPr marL="3200400" algn="l" defTabSz="914400" rtl="0" eaLnBrk="1" latinLnBrk="1" hangingPunct="1">
+              <a:defRPr sz="1800" kern="1200">
+                <a:solidFill>
+                  <a:schemeClr val="tx1"/>
+                </a:solidFill>
+                <a:latin typeface="+mn-lt"/>
+                <a:ea typeface="+mn-ea"/>
+                <a:cs typeface="+mn-cs"/>
+              </a:defRPr>
+            </a:lvl8pPr>
+            <a:lvl9pPr marL="3657600" algn="l" defTabSz="914400" rtl="0" eaLnBrk="1" latinLnBrk="1" hangingPunct="1">
+              <a:defRPr sz="1800" kern="1200">
+                <a:solidFill>
+                  <a:schemeClr val="tx1"/>
+                </a:solidFill>
+                <a:latin typeface="+mn-lt"/>
+                <a:ea typeface="+mn-ea"/>
+                <a:cs typeface="+mn-cs"/>
+              </a:defRPr>
+            </a:lvl9pPr>
+          </a:lstStyle>
+          <a:p>
+            <a:r>
+              <a:rPr lang="en-US" altLang="ko-KR" sz="1400" b="1" dirty="0">
+                <a:solidFill>
+                  <a:schemeClr val="bg1"/>
+                </a:solidFill>
+              </a:rPr>
+              <a:t>P494</a:t>
+            </a:r>
+          </a:p>
+        </p:txBody>
+      </p:sp>
     </p:spTree>
     <p:extLst>
       <p:ext uri="{BB962C8B-B14F-4D97-AF65-F5344CB8AC3E}">
@@ -7478,6 +8143,139 @@
           </a:p>
         </p:txBody>
       </p:sp>
+      <p:sp>
+        <p:nvSpPr>
+          <p:cNvPr id="8" name="TextBox 12">
+            <a:extLst>
+              <a:ext uri="{FF2B5EF4-FFF2-40B4-BE49-F238E27FC236}">
+                <a16:creationId xmlns:a16="http://schemas.microsoft.com/office/drawing/2014/main" id="{E5EC6DAA-7EB4-4413-ADE3-D2C525B2B021}"/>
+              </a:ext>
+            </a:extLst>
+          </p:cNvPr>
+          <p:cNvSpPr txBox="1"/>
+          <p:nvPr/>
+        </p:nvSpPr>
+        <p:spPr>
+          <a:xfrm>
+            <a:off x="10758354" y="410360"/>
+            <a:ext cx="607859" cy="307777"/>
+          </a:xfrm>
+          <a:prstGeom prst="rect">
+            <a:avLst/>
+          </a:prstGeom>
+          <a:noFill/>
+        </p:spPr>
+        <p:txBody>
+          <a:bodyPr wrap="none" rtlCol="0">
+            <a:spAutoFit/>
+          </a:bodyPr>
+          <a:lstStyle>
+            <a:defPPr>
+              <a:defRPr lang="ko-KR"/>
+            </a:defPPr>
+            <a:lvl1pPr marL="0" algn="l" defTabSz="914400" rtl="0" eaLnBrk="1" latinLnBrk="1" hangingPunct="1">
+              <a:defRPr sz="1800" kern="1200">
+                <a:solidFill>
+                  <a:schemeClr val="tx1"/>
+                </a:solidFill>
+                <a:latin typeface="+mn-lt"/>
+                <a:ea typeface="+mn-ea"/>
+                <a:cs typeface="+mn-cs"/>
+              </a:defRPr>
+            </a:lvl1pPr>
+            <a:lvl2pPr marL="457200" algn="l" defTabSz="914400" rtl="0" eaLnBrk="1" latinLnBrk="1" hangingPunct="1">
+              <a:defRPr sz="1800" kern="1200">
+                <a:solidFill>
+                  <a:schemeClr val="tx1"/>
+                </a:solidFill>
+                <a:latin typeface="+mn-lt"/>
+                <a:ea typeface="+mn-ea"/>
+                <a:cs typeface="+mn-cs"/>
+              </a:defRPr>
+            </a:lvl2pPr>
+            <a:lvl3pPr marL="914400" algn="l" defTabSz="914400" rtl="0" eaLnBrk="1" latinLnBrk="1" hangingPunct="1">
+              <a:defRPr sz="1800" kern="1200">
+                <a:solidFill>
+                  <a:schemeClr val="tx1"/>
+                </a:solidFill>
+                <a:latin typeface="+mn-lt"/>
+                <a:ea typeface="+mn-ea"/>
+                <a:cs typeface="+mn-cs"/>
+              </a:defRPr>
+            </a:lvl3pPr>
+            <a:lvl4pPr marL="1371600" algn="l" defTabSz="914400" rtl="0" eaLnBrk="1" latinLnBrk="1" hangingPunct="1">
+              <a:defRPr sz="1800" kern="1200">
+                <a:solidFill>
+                  <a:schemeClr val="tx1"/>
+                </a:solidFill>
+                <a:latin typeface="+mn-lt"/>
+                <a:ea typeface="+mn-ea"/>
+                <a:cs typeface="+mn-cs"/>
+              </a:defRPr>
+            </a:lvl4pPr>
+            <a:lvl5pPr marL="1828800" algn="l" defTabSz="914400" rtl="0" eaLnBrk="1" latinLnBrk="1" hangingPunct="1">
+              <a:defRPr sz="1800" kern="1200">
+                <a:solidFill>
+                  <a:schemeClr val="tx1"/>
+                </a:solidFill>
+                <a:latin typeface="+mn-lt"/>
+                <a:ea typeface="+mn-ea"/>
+                <a:cs typeface="+mn-cs"/>
+              </a:defRPr>
+            </a:lvl5pPr>
+            <a:lvl6pPr marL="2286000" algn="l" defTabSz="914400" rtl="0" eaLnBrk="1" latinLnBrk="1" hangingPunct="1">
+              <a:defRPr sz="1800" kern="1200">
+                <a:solidFill>
+                  <a:schemeClr val="tx1"/>
+                </a:solidFill>
+                <a:latin typeface="+mn-lt"/>
+                <a:ea typeface="+mn-ea"/>
+                <a:cs typeface="+mn-cs"/>
+              </a:defRPr>
+            </a:lvl6pPr>
+            <a:lvl7pPr marL="2743200" algn="l" defTabSz="914400" rtl="0" eaLnBrk="1" latinLnBrk="1" hangingPunct="1">
+              <a:defRPr sz="1800" kern="1200">
+                <a:solidFill>
+                  <a:schemeClr val="tx1"/>
+                </a:solidFill>
+                <a:latin typeface="+mn-lt"/>
+                <a:ea typeface="+mn-ea"/>
+                <a:cs typeface="+mn-cs"/>
+              </a:defRPr>
+            </a:lvl7pPr>
+            <a:lvl8pPr marL="3200400" algn="l" defTabSz="914400" rtl="0" eaLnBrk="1" latinLnBrk="1" hangingPunct="1">
+              <a:defRPr sz="1800" kern="1200">
+                <a:solidFill>
+                  <a:schemeClr val="tx1"/>
+                </a:solidFill>
+                <a:latin typeface="+mn-lt"/>
+                <a:ea typeface="+mn-ea"/>
+                <a:cs typeface="+mn-cs"/>
+              </a:defRPr>
+            </a:lvl8pPr>
+            <a:lvl9pPr marL="3657600" algn="l" defTabSz="914400" rtl="0" eaLnBrk="1" latinLnBrk="1" hangingPunct="1">
+              <a:defRPr sz="1800" kern="1200">
+                <a:solidFill>
+                  <a:schemeClr val="tx1"/>
+                </a:solidFill>
+                <a:latin typeface="+mn-lt"/>
+                <a:ea typeface="+mn-ea"/>
+                <a:cs typeface="+mn-cs"/>
+              </a:defRPr>
+            </a:lvl9pPr>
+          </a:lstStyle>
+          <a:p>
+            <a:r>
+              <a:rPr lang="en-US" altLang="ko-KR" sz="1400" b="1" dirty="0">
+                <a:solidFill>
+                  <a:schemeClr val="bg1"/>
+                </a:solidFill>
+              </a:rPr>
+              <a:t>P499</a:t>
+            </a:r>
+          </a:p>
+        </p:txBody>
+      </p:sp>
     </p:spTree>
     <p:extLst>
       <p:ext uri="{BB962C8B-B14F-4D97-AF65-F5344CB8AC3E}">
@@ -8439,6 +9237,139 @@
           </a:prstGeom>
         </p:spPr>
       </p:pic>
+      <p:sp>
+        <p:nvSpPr>
+          <p:cNvPr id="9" name="TextBox 12">
+            <a:extLst>
+              <a:ext uri="{FF2B5EF4-FFF2-40B4-BE49-F238E27FC236}">
+                <a16:creationId xmlns:a16="http://schemas.microsoft.com/office/drawing/2014/main" id="{E25C3CB5-9C12-4F68-A9A0-3FE9830F3244}"/>
+              </a:ext>
+            </a:extLst>
+          </p:cNvPr>
+          <p:cNvSpPr txBox="1"/>
+          <p:nvPr/>
+        </p:nvSpPr>
+        <p:spPr>
+          <a:xfrm>
+            <a:off x="10758354" y="410360"/>
+            <a:ext cx="607859" cy="307777"/>
+          </a:xfrm>
+          <a:prstGeom prst="rect">
+            <a:avLst/>
+          </a:prstGeom>
+          <a:noFill/>
+        </p:spPr>
+        <p:txBody>
+          <a:bodyPr wrap="none" rtlCol="0">
+            <a:spAutoFit/>
+          </a:bodyPr>
+          <a:lstStyle>
+            <a:defPPr>
+              <a:defRPr lang="ko-KR"/>
+            </a:defPPr>
+            <a:lvl1pPr marL="0" algn="l" defTabSz="914400" rtl="0" eaLnBrk="1" latinLnBrk="1" hangingPunct="1">
+              <a:defRPr sz="1800" kern="1200">
+                <a:solidFill>
+                  <a:schemeClr val="tx1"/>
+                </a:solidFill>
+                <a:latin typeface="+mn-lt"/>
+                <a:ea typeface="+mn-ea"/>
+                <a:cs typeface="+mn-cs"/>
+              </a:defRPr>
+            </a:lvl1pPr>
+            <a:lvl2pPr marL="457200" algn="l" defTabSz="914400" rtl="0" eaLnBrk="1" latinLnBrk="1" hangingPunct="1">
+              <a:defRPr sz="1800" kern="1200">
+                <a:solidFill>
+                  <a:schemeClr val="tx1"/>
+                </a:solidFill>
+                <a:latin typeface="+mn-lt"/>
+                <a:ea typeface="+mn-ea"/>
+                <a:cs typeface="+mn-cs"/>
+              </a:defRPr>
+            </a:lvl2pPr>
+            <a:lvl3pPr marL="914400" algn="l" defTabSz="914400" rtl="0" eaLnBrk="1" latinLnBrk="1" hangingPunct="1">
+              <a:defRPr sz="1800" kern="1200">
+                <a:solidFill>
+                  <a:schemeClr val="tx1"/>
+                </a:solidFill>
+                <a:latin typeface="+mn-lt"/>
+                <a:ea typeface="+mn-ea"/>
+                <a:cs typeface="+mn-cs"/>
+              </a:defRPr>
+            </a:lvl3pPr>
+            <a:lvl4pPr marL="1371600" algn="l" defTabSz="914400" rtl="0" eaLnBrk="1" latinLnBrk="1" hangingPunct="1">
+              <a:defRPr sz="1800" kern="1200">
+                <a:solidFill>
+                  <a:schemeClr val="tx1"/>
+                </a:solidFill>
+                <a:latin typeface="+mn-lt"/>
+                <a:ea typeface="+mn-ea"/>
+                <a:cs typeface="+mn-cs"/>
+              </a:defRPr>
+            </a:lvl4pPr>
+            <a:lvl5pPr marL="1828800" algn="l" defTabSz="914400" rtl="0" eaLnBrk="1" latinLnBrk="1" hangingPunct="1">
+              <a:defRPr sz="1800" kern="1200">
+                <a:solidFill>
+                  <a:schemeClr val="tx1"/>
+                </a:solidFill>
+                <a:latin typeface="+mn-lt"/>
+                <a:ea typeface="+mn-ea"/>
+                <a:cs typeface="+mn-cs"/>
+              </a:defRPr>
+            </a:lvl5pPr>
+            <a:lvl6pPr marL="2286000" algn="l" defTabSz="914400" rtl="0" eaLnBrk="1" latinLnBrk="1" hangingPunct="1">
+              <a:defRPr sz="1800" kern="1200">
+                <a:solidFill>
+                  <a:schemeClr val="tx1"/>
+                </a:solidFill>
+                <a:latin typeface="+mn-lt"/>
+                <a:ea typeface="+mn-ea"/>
+                <a:cs typeface="+mn-cs"/>
+              </a:defRPr>
+            </a:lvl6pPr>
+            <a:lvl7pPr marL="2743200" algn="l" defTabSz="914400" rtl="0" eaLnBrk="1" latinLnBrk="1" hangingPunct="1">
+              <a:defRPr sz="1800" kern="1200">
+                <a:solidFill>
+                  <a:schemeClr val="tx1"/>
+                </a:solidFill>
+                <a:latin typeface="+mn-lt"/>
+                <a:ea typeface="+mn-ea"/>
+                <a:cs typeface="+mn-cs"/>
+              </a:defRPr>
+            </a:lvl7pPr>
+            <a:lvl8pPr marL="3200400" algn="l" defTabSz="914400" rtl="0" eaLnBrk="1" latinLnBrk="1" hangingPunct="1">
+              <a:defRPr sz="1800" kern="1200">
+                <a:solidFill>
+                  <a:schemeClr val="tx1"/>
+                </a:solidFill>
+                <a:latin typeface="+mn-lt"/>
+                <a:ea typeface="+mn-ea"/>
+                <a:cs typeface="+mn-cs"/>
+              </a:defRPr>
+            </a:lvl8pPr>
+            <a:lvl9pPr marL="3657600" algn="l" defTabSz="914400" rtl="0" eaLnBrk="1" latinLnBrk="1" hangingPunct="1">
+              <a:defRPr sz="1800" kern="1200">
+                <a:solidFill>
+                  <a:schemeClr val="tx1"/>
+                </a:solidFill>
+                <a:latin typeface="+mn-lt"/>
+                <a:ea typeface="+mn-ea"/>
+                <a:cs typeface="+mn-cs"/>
+              </a:defRPr>
+            </a:lvl9pPr>
+          </a:lstStyle>
+          <a:p>
+            <a:r>
+              <a:rPr lang="en-US" altLang="ko-KR" sz="1400" b="1" dirty="0">
+                <a:solidFill>
+                  <a:schemeClr val="bg1"/>
+                </a:solidFill>
+              </a:rPr>
+              <a:t>P500</a:t>
+            </a:r>
+          </a:p>
+        </p:txBody>
+      </p:sp>
     </p:spTree>
     <p:extLst>
       <p:ext uri="{BB962C8B-B14F-4D97-AF65-F5344CB8AC3E}">
@@ -9699,6 +10630,139 @@
           </a:prstGeom>
         </p:spPr>
       </p:pic>
+      <p:sp>
+        <p:nvSpPr>
+          <p:cNvPr id="8" name="TextBox 12">
+            <a:extLst>
+              <a:ext uri="{FF2B5EF4-FFF2-40B4-BE49-F238E27FC236}">
+                <a16:creationId xmlns:a16="http://schemas.microsoft.com/office/drawing/2014/main" id="{EB902D0E-67A9-4A54-8B39-DC78B12E4186}"/>
+              </a:ext>
+            </a:extLst>
+          </p:cNvPr>
+          <p:cNvSpPr txBox="1"/>
+          <p:nvPr/>
+        </p:nvSpPr>
+        <p:spPr>
+          <a:xfrm>
+            <a:off x="10758354" y="410360"/>
+            <a:ext cx="607859" cy="307777"/>
+          </a:xfrm>
+          <a:prstGeom prst="rect">
+            <a:avLst/>
+          </a:prstGeom>
+          <a:noFill/>
+        </p:spPr>
+        <p:txBody>
+          <a:bodyPr wrap="none" rtlCol="0">
+            <a:spAutoFit/>
+          </a:bodyPr>
+          <a:lstStyle>
+            <a:defPPr>
+              <a:defRPr lang="ko-KR"/>
+            </a:defPPr>
+            <a:lvl1pPr marL="0" algn="l" defTabSz="914400" rtl="0" eaLnBrk="1" latinLnBrk="1" hangingPunct="1">
+              <a:defRPr sz="1800" kern="1200">
+                <a:solidFill>
+                  <a:schemeClr val="tx1"/>
+                </a:solidFill>
+                <a:latin typeface="+mn-lt"/>
+                <a:ea typeface="+mn-ea"/>
+                <a:cs typeface="+mn-cs"/>
+              </a:defRPr>
+            </a:lvl1pPr>
+            <a:lvl2pPr marL="457200" algn="l" defTabSz="914400" rtl="0" eaLnBrk="1" latinLnBrk="1" hangingPunct="1">
+              <a:defRPr sz="1800" kern="1200">
+                <a:solidFill>
+                  <a:schemeClr val="tx1"/>
+                </a:solidFill>
+                <a:latin typeface="+mn-lt"/>
+                <a:ea typeface="+mn-ea"/>
+                <a:cs typeface="+mn-cs"/>
+              </a:defRPr>
+            </a:lvl2pPr>
+            <a:lvl3pPr marL="914400" algn="l" defTabSz="914400" rtl="0" eaLnBrk="1" latinLnBrk="1" hangingPunct="1">
+              <a:defRPr sz="1800" kern="1200">
+                <a:solidFill>
+                  <a:schemeClr val="tx1"/>
+                </a:solidFill>
+                <a:latin typeface="+mn-lt"/>
+                <a:ea typeface="+mn-ea"/>
+                <a:cs typeface="+mn-cs"/>
+              </a:defRPr>
+            </a:lvl3pPr>
+            <a:lvl4pPr marL="1371600" algn="l" defTabSz="914400" rtl="0" eaLnBrk="1" latinLnBrk="1" hangingPunct="1">
+              <a:defRPr sz="1800" kern="1200">
+                <a:solidFill>
+                  <a:schemeClr val="tx1"/>
+                </a:solidFill>
+                <a:latin typeface="+mn-lt"/>
+                <a:ea typeface="+mn-ea"/>
+                <a:cs typeface="+mn-cs"/>
+              </a:defRPr>
+            </a:lvl4pPr>
+            <a:lvl5pPr marL="1828800" algn="l" defTabSz="914400" rtl="0" eaLnBrk="1" latinLnBrk="1" hangingPunct="1">
+              <a:defRPr sz="1800" kern="1200">
+                <a:solidFill>
+                  <a:schemeClr val="tx1"/>
+                </a:solidFill>
+                <a:latin typeface="+mn-lt"/>
+                <a:ea typeface="+mn-ea"/>
+                <a:cs typeface="+mn-cs"/>
+              </a:defRPr>
+            </a:lvl5pPr>
+            <a:lvl6pPr marL="2286000" algn="l" defTabSz="914400" rtl="0" eaLnBrk="1" latinLnBrk="1" hangingPunct="1">
+              <a:defRPr sz="1800" kern="1200">
+                <a:solidFill>
+                  <a:schemeClr val="tx1"/>
+                </a:solidFill>
+                <a:latin typeface="+mn-lt"/>
+                <a:ea typeface="+mn-ea"/>
+                <a:cs typeface="+mn-cs"/>
+              </a:defRPr>
+            </a:lvl6pPr>
+            <a:lvl7pPr marL="2743200" algn="l" defTabSz="914400" rtl="0" eaLnBrk="1" latinLnBrk="1" hangingPunct="1">
+              <a:defRPr sz="1800" kern="1200">
+                <a:solidFill>
+                  <a:schemeClr val="tx1"/>
+                </a:solidFill>
+                <a:latin typeface="+mn-lt"/>
+                <a:ea typeface="+mn-ea"/>
+                <a:cs typeface="+mn-cs"/>
+              </a:defRPr>
+            </a:lvl7pPr>
+            <a:lvl8pPr marL="3200400" algn="l" defTabSz="914400" rtl="0" eaLnBrk="1" latinLnBrk="1" hangingPunct="1">
+              <a:defRPr sz="1800" kern="1200">
+                <a:solidFill>
+                  <a:schemeClr val="tx1"/>
+                </a:solidFill>
+                <a:latin typeface="+mn-lt"/>
+                <a:ea typeface="+mn-ea"/>
+                <a:cs typeface="+mn-cs"/>
+              </a:defRPr>
+            </a:lvl8pPr>
+            <a:lvl9pPr marL="3657600" algn="l" defTabSz="914400" rtl="0" eaLnBrk="1" latinLnBrk="1" hangingPunct="1">
+              <a:defRPr sz="1800" kern="1200">
+                <a:solidFill>
+                  <a:schemeClr val="tx1"/>
+                </a:solidFill>
+                <a:latin typeface="+mn-lt"/>
+                <a:ea typeface="+mn-ea"/>
+                <a:cs typeface="+mn-cs"/>
+              </a:defRPr>
+            </a:lvl9pPr>
+          </a:lstStyle>
+          <a:p>
+            <a:r>
+              <a:rPr lang="en-US" altLang="ko-KR" sz="1400" b="1" dirty="0">
+                <a:solidFill>
+                  <a:schemeClr val="bg1"/>
+                </a:solidFill>
+              </a:rPr>
+              <a:t>P502</a:t>
+            </a:r>
+          </a:p>
+        </p:txBody>
+      </p:sp>
     </p:spTree>
     <p:extLst>
       <p:ext uri="{BB962C8B-B14F-4D97-AF65-F5344CB8AC3E}">
@@ -10614,6 +11678,139 @@
           </a:p>
         </p:txBody>
       </p:sp>
+      <p:sp>
+        <p:nvSpPr>
+          <p:cNvPr id="16" name="TextBox 12">
+            <a:extLst>
+              <a:ext uri="{FF2B5EF4-FFF2-40B4-BE49-F238E27FC236}">
+                <a16:creationId xmlns:a16="http://schemas.microsoft.com/office/drawing/2014/main" id="{C78B0202-3DCC-4199-8275-D208AF528A8B}"/>
+              </a:ext>
+            </a:extLst>
+          </p:cNvPr>
+          <p:cNvSpPr txBox="1"/>
+          <p:nvPr/>
+        </p:nvSpPr>
+        <p:spPr>
+          <a:xfrm>
+            <a:off x="10758354" y="410360"/>
+            <a:ext cx="607859" cy="307777"/>
+          </a:xfrm>
+          <a:prstGeom prst="rect">
+            <a:avLst/>
+          </a:prstGeom>
+          <a:noFill/>
+        </p:spPr>
+        <p:txBody>
+          <a:bodyPr wrap="none" rtlCol="0">
+            <a:spAutoFit/>
+          </a:bodyPr>
+          <a:lstStyle>
+            <a:defPPr>
+              <a:defRPr lang="ko-KR"/>
+            </a:defPPr>
+            <a:lvl1pPr marL="0" algn="l" defTabSz="914400" rtl="0" eaLnBrk="1" latinLnBrk="1" hangingPunct="1">
+              <a:defRPr sz="1800" kern="1200">
+                <a:solidFill>
+                  <a:schemeClr val="tx1"/>
+                </a:solidFill>
+                <a:latin typeface="+mn-lt"/>
+                <a:ea typeface="+mn-ea"/>
+                <a:cs typeface="+mn-cs"/>
+              </a:defRPr>
+            </a:lvl1pPr>
+            <a:lvl2pPr marL="457200" algn="l" defTabSz="914400" rtl="0" eaLnBrk="1" latinLnBrk="1" hangingPunct="1">
+              <a:defRPr sz="1800" kern="1200">
+                <a:solidFill>
+                  <a:schemeClr val="tx1"/>
+                </a:solidFill>
+                <a:latin typeface="+mn-lt"/>
+                <a:ea typeface="+mn-ea"/>
+                <a:cs typeface="+mn-cs"/>
+              </a:defRPr>
+            </a:lvl2pPr>
+            <a:lvl3pPr marL="914400" algn="l" defTabSz="914400" rtl="0" eaLnBrk="1" latinLnBrk="1" hangingPunct="1">
+              <a:defRPr sz="1800" kern="1200">
+                <a:solidFill>
+                  <a:schemeClr val="tx1"/>
+                </a:solidFill>
+                <a:latin typeface="+mn-lt"/>
+                <a:ea typeface="+mn-ea"/>
+                <a:cs typeface="+mn-cs"/>
+              </a:defRPr>
+            </a:lvl3pPr>
+            <a:lvl4pPr marL="1371600" algn="l" defTabSz="914400" rtl="0" eaLnBrk="1" latinLnBrk="1" hangingPunct="1">
+              <a:defRPr sz="1800" kern="1200">
+                <a:solidFill>
+                  <a:schemeClr val="tx1"/>
+                </a:solidFill>
+                <a:latin typeface="+mn-lt"/>
+                <a:ea typeface="+mn-ea"/>
+                <a:cs typeface="+mn-cs"/>
+              </a:defRPr>
+            </a:lvl4pPr>
+            <a:lvl5pPr marL="1828800" algn="l" defTabSz="914400" rtl="0" eaLnBrk="1" latinLnBrk="1" hangingPunct="1">
+              <a:defRPr sz="1800" kern="1200">
+                <a:solidFill>
+                  <a:schemeClr val="tx1"/>
+                </a:solidFill>
+                <a:latin typeface="+mn-lt"/>
+                <a:ea typeface="+mn-ea"/>
+                <a:cs typeface="+mn-cs"/>
+              </a:defRPr>
+            </a:lvl5pPr>
+            <a:lvl6pPr marL="2286000" algn="l" defTabSz="914400" rtl="0" eaLnBrk="1" latinLnBrk="1" hangingPunct="1">
+              <a:defRPr sz="1800" kern="1200">
+                <a:solidFill>
+                  <a:schemeClr val="tx1"/>
+                </a:solidFill>
+                <a:latin typeface="+mn-lt"/>
+                <a:ea typeface="+mn-ea"/>
+                <a:cs typeface="+mn-cs"/>
+              </a:defRPr>
+            </a:lvl6pPr>
+            <a:lvl7pPr marL="2743200" algn="l" defTabSz="914400" rtl="0" eaLnBrk="1" latinLnBrk="1" hangingPunct="1">
+              <a:defRPr sz="1800" kern="1200">
+                <a:solidFill>
+                  <a:schemeClr val="tx1"/>
+                </a:solidFill>
+                <a:latin typeface="+mn-lt"/>
+                <a:ea typeface="+mn-ea"/>
+                <a:cs typeface="+mn-cs"/>
+              </a:defRPr>
+            </a:lvl7pPr>
+            <a:lvl8pPr marL="3200400" algn="l" defTabSz="914400" rtl="0" eaLnBrk="1" latinLnBrk="1" hangingPunct="1">
+              <a:defRPr sz="1800" kern="1200">
+                <a:solidFill>
+                  <a:schemeClr val="tx1"/>
+                </a:solidFill>
+                <a:latin typeface="+mn-lt"/>
+                <a:ea typeface="+mn-ea"/>
+                <a:cs typeface="+mn-cs"/>
+              </a:defRPr>
+            </a:lvl8pPr>
+            <a:lvl9pPr marL="3657600" algn="l" defTabSz="914400" rtl="0" eaLnBrk="1" latinLnBrk="1" hangingPunct="1">
+              <a:defRPr sz="1800" kern="1200">
+                <a:solidFill>
+                  <a:schemeClr val="tx1"/>
+                </a:solidFill>
+                <a:latin typeface="+mn-lt"/>
+                <a:ea typeface="+mn-ea"/>
+                <a:cs typeface="+mn-cs"/>
+              </a:defRPr>
+            </a:lvl9pPr>
+          </a:lstStyle>
+          <a:p>
+            <a:r>
+              <a:rPr lang="en-US" altLang="ko-KR" sz="1400" b="1" dirty="0">
+                <a:solidFill>
+                  <a:schemeClr val="bg1"/>
+                </a:solidFill>
+              </a:rPr>
+              <a:t>P504</a:t>
+            </a:r>
+          </a:p>
+        </p:txBody>
+      </p:sp>
     </p:spTree>
     <p:extLst>
       <p:ext uri="{BB962C8B-B14F-4D97-AF65-F5344CB8AC3E}">
@@ -11106,6 +12303,139 @@
             <a:endParaRPr lang="en-US" altLang="ko-KR" sz="1400">
               <a:latin typeface="+mn-ea"/>
             </a:endParaRPr>
+          </a:p>
+        </p:txBody>
+      </p:sp>
+      <p:sp>
+        <p:nvSpPr>
+          <p:cNvPr id="9" name="TextBox 12">
+            <a:extLst>
+              <a:ext uri="{FF2B5EF4-FFF2-40B4-BE49-F238E27FC236}">
+                <a16:creationId xmlns:a16="http://schemas.microsoft.com/office/drawing/2014/main" id="{A4A05C5E-E6D0-4FF9-BB21-02E449DC42CA}"/>
+              </a:ext>
+            </a:extLst>
+          </p:cNvPr>
+          <p:cNvSpPr txBox="1"/>
+          <p:nvPr/>
+        </p:nvSpPr>
+        <p:spPr>
+          <a:xfrm>
+            <a:off x="10758354" y="410360"/>
+            <a:ext cx="607859" cy="307777"/>
+          </a:xfrm>
+          <a:prstGeom prst="rect">
+            <a:avLst/>
+          </a:prstGeom>
+          <a:noFill/>
+        </p:spPr>
+        <p:txBody>
+          <a:bodyPr wrap="none" rtlCol="0">
+            <a:spAutoFit/>
+          </a:bodyPr>
+          <a:lstStyle>
+            <a:defPPr>
+              <a:defRPr lang="ko-KR"/>
+            </a:defPPr>
+            <a:lvl1pPr marL="0" algn="l" defTabSz="914400" rtl="0" eaLnBrk="1" latinLnBrk="1" hangingPunct="1">
+              <a:defRPr sz="1800" kern="1200">
+                <a:solidFill>
+                  <a:schemeClr val="tx1"/>
+                </a:solidFill>
+                <a:latin typeface="+mn-lt"/>
+                <a:ea typeface="+mn-ea"/>
+                <a:cs typeface="+mn-cs"/>
+              </a:defRPr>
+            </a:lvl1pPr>
+            <a:lvl2pPr marL="457200" algn="l" defTabSz="914400" rtl="0" eaLnBrk="1" latinLnBrk="1" hangingPunct="1">
+              <a:defRPr sz="1800" kern="1200">
+                <a:solidFill>
+                  <a:schemeClr val="tx1"/>
+                </a:solidFill>
+                <a:latin typeface="+mn-lt"/>
+                <a:ea typeface="+mn-ea"/>
+                <a:cs typeface="+mn-cs"/>
+              </a:defRPr>
+            </a:lvl2pPr>
+            <a:lvl3pPr marL="914400" algn="l" defTabSz="914400" rtl="0" eaLnBrk="1" latinLnBrk="1" hangingPunct="1">
+              <a:defRPr sz="1800" kern="1200">
+                <a:solidFill>
+                  <a:schemeClr val="tx1"/>
+                </a:solidFill>
+                <a:latin typeface="+mn-lt"/>
+                <a:ea typeface="+mn-ea"/>
+                <a:cs typeface="+mn-cs"/>
+              </a:defRPr>
+            </a:lvl3pPr>
+            <a:lvl4pPr marL="1371600" algn="l" defTabSz="914400" rtl="0" eaLnBrk="1" latinLnBrk="1" hangingPunct="1">
+              <a:defRPr sz="1800" kern="1200">
+                <a:solidFill>
+                  <a:schemeClr val="tx1"/>
+                </a:solidFill>
+                <a:latin typeface="+mn-lt"/>
+                <a:ea typeface="+mn-ea"/>
+                <a:cs typeface="+mn-cs"/>
+              </a:defRPr>
+            </a:lvl4pPr>
+            <a:lvl5pPr marL="1828800" algn="l" defTabSz="914400" rtl="0" eaLnBrk="1" latinLnBrk="1" hangingPunct="1">
+              <a:defRPr sz="1800" kern="1200">
+                <a:solidFill>
+                  <a:schemeClr val="tx1"/>
+                </a:solidFill>
+                <a:latin typeface="+mn-lt"/>
+                <a:ea typeface="+mn-ea"/>
+                <a:cs typeface="+mn-cs"/>
+              </a:defRPr>
+            </a:lvl5pPr>
+            <a:lvl6pPr marL="2286000" algn="l" defTabSz="914400" rtl="0" eaLnBrk="1" latinLnBrk="1" hangingPunct="1">
+              <a:defRPr sz="1800" kern="1200">
+                <a:solidFill>
+                  <a:schemeClr val="tx1"/>
+                </a:solidFill>
+                <a:latin typeface="+mn-lt"/>
+                <a:ea typeface="+mn-ea"/>
+                <a:cs typeface="+mn-cs"/>
+              </a:defRPr>
+            </a:lvl6pPr>
+            <a:lvl7pPr marL="2743200" algn="l" defTabSz="914400" rtl="0" eaLnBrk="1" latinLnBrk="1" hangingPunct="1">
+              <a:defRPr sz="1800" kern="1200">
+                <a:solidFill>
+                  <a:schemeClr val="tx1"/>
+                </a:solidFill>
+                <a:latin typeface="+mn-lt"/>
+                <a:ea typeface="+mn-ea"/>
+                <a:cs typeface="+mn-cs"/>
+              </a:defRPr>
+            </a:lvl7pPr>
+            <a:lvl8pPr marL="3200400" algn="l" defTabSz="914400" rtl="0" eaLnBrk="1" latinLnBrk="1" hangingPunct="1">
+              <a:defRPr sz="1800" kern="1200">
+                <a:solidFill>
+                  <a:schemeClr val="tx1"/>
+                </a:solidFill>
+                <a:latin typeface="+mn-lt"/>
+                <a:ea typeface="+mn-ea"/>
+                <a:cs typeface="+mn-cs"/>
+              </a:defRPr>
+            </a:lvl8pPr>
+            <a:lvl9pPr marL="3657600" algn="l" defTabSz="914400" rtl="0" eaLnBrk="1" latinLnBrk="1" hangingPunct="1">
+              <a:defRPr sz="1800" kern="1200">
+                <a:solidFill>
+                  <a:schemeClr val="tx1"/>
+                </a:solidFill>
+                <a:latin typeface="+mn-lt"/>
+                <a:ea typeface="+mn-ea"/>
+                <a:cs typeface="+mn-cs"/>
+              </a:defRPr>
+            </a:lvl9pPr>
+          </a:lstStyle>
+          <a:p>
+            <a:r>
+              <a:rPr lang="en-US" altLang="ko-KR" sz="1400" b="1" dirty="0">
+                <a:solidFill>
+                  <a:schemeClr val="bg1"/>
+                </a:solidFill>
+              </a:rPr>
+              <a:t>P507</a:t>
+            </a:r>
           </a:p>
         </p:txBody>
       </p:sp>
